--- a/Ctk43/Tìm hiểuMô hình rup.pptx
+++ b/Ctk43/Tìm hiểuMô hình rup.pptx
@@ -117,6 +117,11 @@
       </a:defRPr>
     </a:lvl9pPr>
   </p:defaultTextStyle>
+  <p:extLst>
+    <p:ext uri="{EFAFB233-063F-42B5-8137-9DF3F51BA10A}">
+      <p15:sldGuideLst xmlns:p15="http://schemas.microsoft.com/office/powerpoint/2012/main"/>
+    </p:ext>
+  </p:extLst>
 </p:presentation>
 </file>
 
@@ -333,7 +338,7 @@
           <a:p>
             <a:fld id="{91F9259A-1FE3-4FF9-8A07-BDD8177164ED}" type="datetime4">
               <a:rPr lang="en-US" smtClean="0"/>
-              <a:t>August 19, 2021</a:t>
+              <a:t>August 20, 2021</a:t>
             </a:fld>
             <a:endParaRPr lang="en-US"/>
           </a:p>
@@ -508,7 +513,7 @@
           <a:p>
             <a:fld id="{E5CC3C8F-D4A7-4EAD-92AD-82C91CB8BB85}" type="datetime4">
               <a:rPr lang="en-US" smtClean="0"/>
-              <a:t>August 19, 2021</a:t>
+              <a:t>August 20, 2021</a:t>
             </a:fld>
             <a:endParaRPr lang="en-US"/>
           </a:p>
@@ -745,7 +750,7 @@
           <a:p>
             <a:fld id="{BC011D41-E33C-4BC7-8272-37E8417FD097}" type="datetime4">
               <a:rPr lang="en-US" smtClean="0"/>
-              <a:t>August 19, 2021</a:t>
+              <a:t>August 20, 2021</a:t>
             </a:fld>
             <a:endParaRPr lang="en-US"/>
           </a:p>
@@ -950,7 +955,7 @@
           <a:p>
             <a:fld id="{5D340FED-6E95-4177-A7EF-CD303B9E611D}" type="datetime4">
               <a:rPr lang="en-US" smtClean="0"/>
-              <a:t>August 19, 2021</a:t>
+              <a:t>August 20, 2021</a:t>
             </a:fld>
             <a:endParaRPr lang="en-US"/>
           </a:p>
@@ -1240,7 +1245,7 @@
           <a:p>
             <a:fld id="{477962CB-39AD-45A9-800F-54DAB53D6021}" type="datetime4">
               <a:rPr lang="en-US" smtClean="0"/>
-              <a:t>August 19, 2021</a:t>
+              <a:t>August 20, 2021</a:t>
             </a:fld>
             <a:endParaRPr lang="en-US"/>
           </a:p>
@@ -1524,7 +1529,7 @@
           <a:p>
             <a:fld id="{2DEDF93D-55AB-4606-B9D7-742F1FC51983}" type="datetime4">
               <a:rPr lang="en-US" smtClean="0"/>
-              <a:t>August 19, 2021</a:t>
+              <a:t>August 20, 2021</a:t>
             </a:fld>
             <a:endParaRPr lang="en-US" dirty="0"/>
           </a:p>
@@ -1941,7 +1946,7 @@
           <a:p>
             <a:fld id="{DDF2841D-FB5C-47AB-B2FF-32E855C1EA71}" type="datetime4">
               <a:rPr lang="en-US" smtClean="0"/>
-              <a:t>August 19, 2021</a:t>
+              <a:t>August 20, 2021</a:t>
             </a:fld>
             <a:endParaRPr lang="en-US"/>
           </a:p>
@@ -2082,7 +2087,7 @@
           <a:p>
             <a:fld id="{118537E9-D174-424D-BEE8-AFC4CA5F9F97}" type="datetime4">
               <a:rPr lang="en-US" smtClean="0"/>
-              <a:t>August 19, 2021</a:t>
+              <a:t>August 20, 2021</a:t>
             </a:fld>
             <a:endParaRPr lang="en-US"/>
           </a:p>
@@ -2223,7 +2228,7 @@
           <a:p>
             <a:fld id="{1C7A44C0-F7AC-49C2-8289-1E7A86D9FB50}" type="datetime4">
               <a:rPr lang="en-US" smtClean="0"/>
-              <a:t>August 19, 2021</a:t>
+              <a:t>August 20, 2021</a:t>
             </a:fld>
             <a:endParaRPr lang="en-US"/>
           </a:p>
@@ -2538,7 +2543,7 @@
           <a:p>
             <a:fld id="{73BB84BC-6E78-40D1-8831-40AB1F596614}" type="datetime4">
               <a:rPr lang="en-US" smtClean="0"/>
-              <a:t>August 19, 2021</a:t>
+              <a:t>August 20, 2021</a:t>
             </a:fld>
             <a:endParaRPr lang="en-US"/>
           </a:p>
@@ -2831,7 +2836,7 @@
           <a:p>
             <a:fld id="{ADFA080F-3961-4D42-BEDE-84A1FED032F1}" type="datetime4">
               <a:rPr lang="en-US" smtClean="0"/>
-              <a:t>August 19, 2021</a:t>
+              <a:t>August 20, 2021</a:t>
             </a:fld>
             <a:endParaRPr lang="en-US"/>
           </a:p>
@@ -3113,7 +3118,7 @@
             <a:fld id="{A33960BD-7AC1-4217-9611-AAA56D3EE38F}" type="datetime4">
               <a:rPr lang="en-US" smtClean="0"/>
               <a:pPr/>
-              <a:t>August 19, 2021</a:t>
+              <a:t>August 20, 2021</a:t>
             </a:fld>
             <a:endParaRPr lang="en-US" dirty="0">
               <a:latin typeface="+mn-lt"/>
@@ -3220,8 +3225,8 @@
           </a:p>
         </p:txBody>
       </p:sp>
-      <mc:AlternateContent xmlns:mc="http://schemas.openxmlformats.org/markup-compatibility/2006">
-        <mc:Choice xmlns:p14="http://schemas.microsoft.com/office/powerpoint/2010/main" Requires="p14">
+      <mc:AlternateContent xmlns:mc="http://schemas.openxmlformats.org/markup-compatibility/2006" xmlns:p14="http://schemas.microsoft.com/office/powerpoint/2010/main">
+        <mc:Choice Requires="p14">
           <p:contentPart p14:bwMode="auto" r:id="rId14">
             <p14:nvContentPartPr>
               <p14:cNvPr id="18" name="Ink 17">
@@ -3240,7 +3245,7 @@
             </p14:xfrm>
           </p:contentPart>
         </mc:Choice>
-        <mc:Fallback>
+        <mc:Fallback xmlns="">
           <p:pic>
             <p:nvPicPr>
               <p:cNvPr id="18" name="Ink 17">
@@ -5902,105 +5907,105 @@
               <a:buChar char="-"/>
             </a:pPr>
             <a:r>
-              <a:rPr lang="en-US" dirty="0" err="1">
+              <a:rPr lang="en-US" b="1" dirty="0" err="1">
                 <a:latin typeface="Times New Roman" panose="02020603050405020304" pitchFamily="18" charset="0"/>
                 <a:cs typeface="Times New Roman" panose="02020603050405020304" pitchFamily="18" charset="0"/>
               </a:rPr>
               <a:t>Phần</a:t>
             </a:r>
             <a:r>
-              <a:rPr lang="en-US" dirty="0">
-                <a:latin typeface="Times New Roman" panose="02020603050405020304" pitchFamily="18" charset="0"/>
-                <a:cs typeface="Times New Roman" panose="02020603050405020304" pitchFamily="18" charset="0"/>
-              </a:rPr>
-              <a:t> </a:t>
-            </a:r>
-            <a:r>
-              <a:rPr lang="en-US" dirty="0" err="1">
+              <a:rPr lang="en-US" b="1" dirty="0">
+                <a:latin typeface="Times New Roman" panose="02020603050405020304" pitchFamily="18" charset="0"/>
+                <a:cs typeface="Times New Roman" panose="02020603050405020304" pitchFamily="18" charset="0"/>
+              </a:rPr>
+              <a:t> </a:t>
+            </a:r>
+            <a:r>
+              <a:rPr lang="en-US" b="1" dirty="0" err="1">
                 <a:latin typeface="Times New Roman" panose="02020603050405020304" pitchFamily="18" charset="0"/>
                 <a:cs typeface="Times New Roman" panose="02020603050405020304" pitchFamily="18" charset="0"/>
               </a:rPr>
               <a:t>mềm</a:t>
             </a:r>
             <a:r>
-              <a:rPr lang="en-US" dirty="0">
-                <a:latin typeface="Times New Roman" panose="02020603050405020304" pitchFamily="18" charset="0"/>
-                <a:cs typeface="Times New Roman" panose="02020603050405020304" pitchFamily="18" charset="0"/>
-              </a:rPr>
-              <a:t> </a:t>
-            </a:r>
-            <a:r>
-              <a:rPr lang="en-US" dirty="0" err="1">
+              <a:rPr lang="en-US" b="1" dirty="0">
+                <a:latin typeface="Times New Roman" panose="02020603050405020304" pitchFamily="18" charset="0"/>
+                <a:cs typeface="Times New Roman" panose="02020603050405020304" pitchFamily="18" charset="0"/>
+              </a:rPr>
+              <a:t> </a:t>
+            </a:r>
+            <a:r>
+              <a:rPr lang="en-US" b="1" dirty="0" err="1">
                 <a:latin typeface="Times New Roman" panose="02020603050405020304" pitchFamily="18" charset="0"/>
                 <a:cs typeface="Times New Roman" panose="02020603050405020304" pitchFamily="18" charset="0"/>
               </a:rPr>
               <a:t>được</a:t>
             </a:r>
             <a:r>
-              <a:rPr lang="en-US" dirty="0">
-                <a:latin typeface="Times New Roman" panose="02020603050405020304" pitchFamily="18" charset="0"/>
-                <a:cs typeface="Times New Roman" panose="02020603050405020304" pitchFamily="18" charset="0"/>
-              </a:rPr>
-              <a:t> </a:t>
-            </a:r>
-            <a:r>
-              <a:rPr lang="en-US" dirty="0" err="1">
+              <a:rPr lang="en-US" b="1" dirty="0">
+                <a:latin typeface="Times New Roman" panose="02020603050405020304" pitchFamily="18" charset="0"/>
+                <a:cs typeface="Times New Roman" panose="02020603050405020304" pitchFamily="18" charset="0"/>
+              </a:rPr>
+              <a:t> </a:t>
+            </a:r>
+            <a:r>
+              <a:rPr lang="en-US" b="1" dirty="0" err="1">
                 <a:latin typeface="Times New Roman" panose="02020603050405020304" pitchFamily="18" charset="0"/>
                 <a:cs typeface="Times New Roman" panose="02020603050405020304" pitchFamily="18" charset="0"/>
               </a:rPr>
               <a:t>phát</a:t>
             </a:r>
             <a:r>
-              <a:rPr lang="en-US" dirty="0">
-                <a:latin typeface="Times New Roman" panose="02020603050405020304" pitchFamily="18" charset="0"/>
-                <a:cs typeface="Times New Roman" panose="02020603050405020304" pitchFamily="18" charset="0"/>
-              </a:rPr>
-              <a:t> </a:t>
-            </a:r>
-            <a:r>
-              <a:rPr lang="en-US" dirty="0" err="1">
+              <a:rPr lang="en-US" b="1" dirty="0">
+                <a:latin typeface="Times New Roman" panose="02020603050405020304" pitchFamily="18" charset="0"/>
+                <a:cs typeface="Times New Roman" panose="02020603050405020304" pitchFamily="18" charset="0"/>
+              </a:rPr>
+              <a:t> </a:t>
+            </a:r>
+            <a:r>
+              <a:rPr lang="en-US" b="1" dirty="0" err="1">
                 <a:latin typeface="Times New Roman" panose="02020603050405020304" pitchFamily="18" charset="0"/>
                 <a:cs typeface="Times New Roman" panose="02020603050405020304" pitchFamily="18" charset="0"/>
               </a:rPr>
               <a:t>triển</a:t>
             </a:r>
             <a:r>
-              <a:rPr lang="en-US" dirty="0">
+              <a:rPr lang="en-US" b="1" dirty="0">
                 <a:latin typeface="Times New Roman" panose="02020603050405020304" pitchFamily="18" charset="0"/>
                 <a:cs typeface="Times New Roman" panose="02020603050405020304" pitchFamily="18" charset="0"/>
               </a:rPr>
               <a:t> qua </a:t>
             </a:r>
             <a:r>
-              <a:rPr lang="en-US" dirty="0" err="1">
+              <a:rPr lang="en-US" b="1" dirty="0" err="1">
                 <a:latin typeface="Times New Roman" panose="02020603050405020304" pitchFamily="18" charset="0"/>
                 <a:cs typeface="Times New Roman" panose="02020603050405020304" pitchFamily="18" charset="0"/>
               </a:rPr>
               <a:t>nhiều</a:t>
             </a:r>
             <a:r>
-              <a:rPr lang="en-US" dirty="0">
-                <a:latin typeface="Times New Roman" panose="02020603050405020304" pitchFamily="18" charset="0"/>
-                <a:cs typeface="Times New Roman" panose="02020603050405020304" pitchFamily="18" charset="0"/>
-              </a:rPr>
-              <a:t> </a:t>
-            </a:r>
-            <a:r>
-              <a:rPr lang="en-US" dirty="0" err="1">
+              <a:rPr lang="en-US" b="1" dirty="0">
+                <a:latin typeface="Times New Roman" panose="02020603050405020304" pitchFamily="18" charset="0"/>
+                <a:cs typeface="Times New Roman" panose="02020603050405020304" pitchFamily="18" charset="0"/>
+              </a:rPr>
+              <a:t> </a:t>
+            </a:r>
+            <a:r>
+              <a:rPr lang="en-US" b="1" dirty="0" err="1">
                 <a:latin typeface="Times New Roman" panose="02020603050405020304" pitchFamily="18" charset="0"/>
                 <a:cs typeface="Times New Roman" panose="02020603050405020304" pitchFamily="18" charset="0"/>
               </a:rPr>
               <a:t>lần</a:t>
             </a:r>
             <a:r>
-              <a:rPr lang="en-US" dirty="0">
-                <a:latin typeface="Times New Roman" panose="02020603050405020304" pitchFamily="18" charset="0"/>
-                <a:cs typeface="Times New Roman" panose="02020603050405020304" pitchFamily="18" charset="0"/>
-              </a:rPr>
-              <a:t> </a:t>
-            </a:r>
-            <a:r>
-              <a:rPr lang="en-US" dirty="0" err="1">
+              <a:rPr lang="en-US" b="1" dirty="0">
+                <a:latin typeface="Times New Roman" panose="02020603050405020304" pitchFamily="18" charset="0"/>
+                <a:cs typeface="Times New Roman" panose="02020603050405020304" pitchFamily="18" charset="0"/>
+              </a:rPr>
+              <a:t> </a:t>
+            </a:r>
+            <a:r>
+              <a:rPr lang="en-US" b="1" dirty="0" err="1">
                 <a:latin typeface="Times New Roman" panose="02020603050405020304" pitchFamily="18" charset="0"/>
                 <a:cs typeface="Times New Roman" panose="02020603050405020304" pitchFamily="18" charset="0"/>
               </a:rPr>
@@ -6384,63 +6389,63 @@
               <a:buChar char="-"/>
             </a:pPr>
             <a:r>
-              <a:rPr lang="en-US" dirty="0" err="1">
+              <a:rPr lang="en-US" b="1" dirty="0" err="1">
                 <a:latin typeface="Times New Roman" panose="02020603050405020304" pitchFamily="18" charset="0"/>
                 <a:cs typeface="Times New Roman" panose="02020603050405020304" pitchFamily="18" charset="0"/>
               </a:rPr>
               <a:t>Quản</a:t>
             </a:r>
             <a:r>
-              <a:rPr lang="en-US" dirty="0">
-                <a:latin typeface="Times New Roman" panose="02020603050405020304" pitchFamily="18" charset="0"/>
-                <a:cs typeface="Times New Roman" panose="02020603050405020304" pitchFamily="18" charset="0"/>
-              </a:rPr>
-              <a:t> </a:t>
-            </a:r>
-            <a:r>
-              <a:rPr lang="en-US" dirty="0" err="1">
+              <a:rPr lang="en-US" b="1" dirty="0">
+                <a:latin typeface="Times New Roman" panose="02020603050405020304" pitchFamily="18" charset="0"/>
+                <a:cs typeface="Times New Roman" panose="02020603050405020304" pitchFamily="18" charset="0"/>
+              </a:rPr>
+              <a:t> </a:t>
+            </a:r>
+            <a:r>
+              <a:rPr lang="en-US" b="1" dirty="0" err="1">
                 <a:latin typeface="Times New Roman" panose="02020603050405020304" pitchFamily="18" charset="0"/>
                 <a:cs typeface="Times New Roman" panose="02020603050405020304" pitchFamily="18" charset="0"/>
               </a:rPr>
               <a:t>lý</a:t>
             </a:r>
             <a:r>
-              <a:rPr lang="en-US" dirty="0">
-                <a:latin typeface="Times New Roman" panose="02020603050405020304" pitchFamily="18" charset="0"/>
-                <a:cs typeface="Times New Roman" panose="02020603050405020304" pitchFamily="18" charset="0"/>
-              </a:rPr>
-              <a:t> </a:t>
-            </a:r>
-            <a:r>
-              <a:rPr lang="en-US" dirty="0" err="1">
+              <a:rPr lang="en-US" b="1" dirty="0">
+                <a:latin typeface="Times New Roman" panose="02020603050405020304" pitchFamily="18" charset="0"/>
+                <a:cs typeface="Times New Roman" panose="02020603050405020304" pitchFamily="18" charset="0"/>
+              </a:rPr>
+              <a:t> </a:t>
+            </a:r>
+            <a:r>
+              <a:rPr lang="en-US" b="1" dirty="0" err="1">
                 <a:latin typeface="Times New Roman" panose="02020603050405020304" pitchFamily="18" charset="0"/>
                 <a:cs typeface="Times New Roman" panose="02020603050405020304" pitchFamily="18" charset="0"/>
               </a:rPr>
               <a:t>các</a:t>
             </a:r>
             <a:r>
-              <a:rPr lang="en-US" dirty="0">
-                <a:latin typeface="Times New Roman" panose="02020603050405020304" pitchFamily="18" charset="0"/>
-                <a:cs typeface="Times New Roman" panose="02020603050405020304" pitchFamily="18" charset="0"/>
-              </a:rPr>
-              <a:t> </a:t>
-            </a:r>
-            <a:r>
-              <a:rPr lang="en-US" dirty="0" err="1">
+              <a:rPr lang="en-US" b="1" dirty="0">
+                <a:latin typeface="Times New Roman" panose="02020603050405020304" pitchFamily="18" charset="0"/>
+                <a:cs typeface="Times New Roman" panose="02020603050405020304" pitchFamily="18" charset="0"/>
+              </a:rPr>
+              <a:t> </a:t>
+            </a:r>
+            <a:r>
+              <a:rPr lang="en-US" b="1" dirty="0" err="1">
                 <a:latin typeface="Times New Roman" panose="02020603050405020304" pitchFamily="18" charset="0"/>
                 <a:cs typeface="Times New Roman" panose="02020603050405020304" pitchFamily="18" charset="0"/>
               </a:rPr>
               <a:t>yêu</a:t>
             </a:r>
             <a:r>
-              <a:rPr lang="en-US" dirty="0">
-                <a:latin typeface="Times New Roman" panose="02020603050405020304" pitchFamily="18" charset="0"/>
-                <a:cs typeface="Times New Roman" panose="02020603050405020304" pitchFamily="18" charset="0"/>
-              </a:rPr>
-              <a:t> </a:t>
-            </a:r>
-            <a:r>
-              <a:rPr lang="en-US" dirty="0" err="1">
+              <a:rPr lang="en-US" b="1" dirty="0">
+                <a:latin typeface="Times New Roman" panose="02020603050405020304" pitchFamily="18" charset="0"/>
+                <a:cs typeface="Times New Roman" panose="02020603050405020304" pitchFamily="18" charset="0"/>
+              </a:rPr>
+              <a:t> </a:t>
+            </a:r>
+            <a:r>
+              <a:rPr lang="en-US" b="1" dirty="0" err="1">
                 <a:latin typeface="Times New Roman" panose="02020603050405020304" pitchFamily="18" charset="0"/>
                 <a:cs typeface="Times New Roman" panose="02020603050405020304" pitchFamily="18" charset="0"/>
               </a:rPr>
@@ -7160,60 +7165,67 @@
               <a:buChar char="-"/>
             </a:pPr>
             <a:r>
-              <a:rPr lang="en-US" dirty="0" err="1">
+              <a:rPr lang="en-US" b="1" dirty="0" err="1">
                 <a:latin typeface="Times New Roman" panose="02020603050405020304" pitchFamily="18" charset="0"/>
                 <a:cs typeface="Times New Roman" panose="02020603050405020304" pitchFamily="18" charset="0"/>
               </a:rPr>
               <a:t>Sử</a:t>
             </a:r>
             <a:r>
-              <a:rPr lang="en-US" dirty="0">
-                <a:latin typeface="Times New Roman" panose="02020603050405020304" pitchFamily="18" charset="0"/>
-                <a:cs typeface="Times New Roman" panose="02020603050405020304" pitchFamily="18" charset="0"/>
-              </a:rPr>
-              <a:t> </a:t>
-            </a:r>
-            <a:r>
-              <a:rPr lang="en-US" dirty="0" err="1">
+              <a:rPr lang="en-US" b="1" dirty="0">
+                <a:latin typeface="Times New Roman" panose="02020603050405020304" pitchFamily="18" charset="0"/>
+                <a:cs typeface="Times New Roman" panose="02020603050405020304" pitchFamily="18" charset="0"/>
+              </a:rPr>
+              <a:t> </a:t>
+            </a:r>
+            <a:r>
+              <a:rPr lang="en-US" b="1" dirty="0" err="1">
                 <a:latin typeface="Times New Roman" panose="02020603050405020304" pitchFamily="18" charset="0"/>
                 <a:cs typeface="Times New Roman" panose="02020603050405020304" pitchFamily="18" charset="0"/>
               </a:rPr>
               <a:t>dụng</a:t>
             </a:r>
             <a:r>
-              <a:rPr lang="en-US" dirty="0">
-                <a:latin typeface="Times New Roman" panose="02020603050405020304" pitchFamily="18" charset="0"/>
-                <a:cs typeface="Times New Roman" panose="02020603050405020304" pitchFamily="18" charset="0"/>
-              </a:rPr>
-              <a:t> </a:t>
-            </a:r>
-            <a:r>
-              <a:rPr lang="en-US" dirty="0" err="1">
+              <a:rPr lang="en-US" b="1" dirty="0">
+                <a:latin typeface="Times New Roman" panose="02020603050405020304" pitchFamily="18" charset="0"/>
+                <a:cs typeface="Times New Roman" panose="02020603050405020304" pitchFamily="18" charset="0"/>
+              </a:rPr>
+              <a:t> </a:t>
+            </a:r>
+            <a:r>
+              <a:rPr lang="en-US" b="1" dirty="0" err="1">
                 <a:latin typeface="Times New Roman" panose="02020603050405020304" pitchFamily="18" charset="0"/>
                 <a:cs typeface="Times New Roman" panose="02020603050405020304" pitchFamily="18" charset="0"/>
               </a:rPr>
               <a:t>kiến</a:t>
             </a:r>
             <a:r>
-              <a:rPr lang="en-US" dirty="0">
-                <a:latin typeface="Times New Roman" panose="02020603050405020304" pitchFamily="18" charset="0"/>
-                <a:cs typeface="Times New Roman" panose="02020603050405020304" pitchFamily="18" charset="0"/>
-              </a:rPr>
-              <a:t> </a:t>
-            </a:r>
-            <a:r>
-              <a:rPr lang="en-US" dirty="0" err="1">
+              <a:rPr lang="en-US" b="1" dirty="0">
+                <a:latin typeface="Times New Roman" panose="02020603050405020304" pitchFamily="18" charset="0"/>
+                <a:cs typeface="Times New Roman" panose="02020603050405020304" pitchFamily="18" charset="0"/>
+              </a:rPr>
+              <a:t> </a:t>
+            </a:r>
+            <a:r>
+              <a:rPr lang="en-US" b="1" dirty="0" err="1">
                 <a:latin typeface="Times New Roman" panose="02020603050405020304" pitchFamily="18" charset="0"/>
                 <a:cs typeface="Times New Roman" panose="02020603050405020304" pitchFamily="18" charset="0"/>
               </a:rPr>
               <a:t>trúc</a:t>
             </a:r>
             <a:r>
-              <a:rPr lang="en-US" dirty="0">
-                <a:latin typeface="Times New Roman" panose="02020603050405020304" pitchFamily="18" charset="0"/>
-                <a:cs typeface="Times New Roman" panose="02020603050405020304" pitchFamily="18" charset="0"/>
-              </a:rPr>
-              <a:t> component-based: Chia </a:t>
+              <a:rPr lang="en-US" b="1" dirty="0">
+                <a:latin typeface="Times New Roman" panose="02020603050405020304" pitchFamily="18" charset="0"/>
+                <a:cs typeface="Times New Roman" panose="02020603050405020304" pitchFamily="18" charset="0"/>
+              </a:rPr>
+              <a:t> component-based</a:t>
+            </a:r>
+            <a:r>
+              <a:rPr lang="en-US" dirty="0">
+                <a:latin typeface="Times New Roman" panose="02020603050405020304" pitchFamily="18" charset="0"/>
+                <a:cs typeface="Times New Roman" panose="02020603050405020304" pitchFamily="18" charset="0"/>
+              </a:rPr>
+              <a:t>: Chia </a:t>
             </a:r>
             <a:r>
               <a:rPr lang="en-US" dirty="0" err="1">
@@ -7905,91 +7917,91 @@
               <a:buChar char="-"/>
             </a:pPr>
             <a:r>
-              <a:rPr lang="en-US" dirty="0" err="1">
+              <a:rPr lang="en-US" b="1" dirty="0" err="1">
                 <a:latin typeface="Times New Roman" panose="02020603050405020304" pitchFamily="18" charset="0"/>
                 <a:cs typeface="Times New Roman" panose="02020603050405020304" pitchFamily="18" charset="0"/>
               </a:rPr>
               <a:t>Mô</a:t>
             </a:r>
             <a:r>
-              <a:rPr lang="en-US" dirty="0">
-                <a:latin typeface="Times New Roman" panose="02020603050405020304" pitchFamily="18" charset="0"/>
-                <a:cs typeface="Times New Roman" panose="02020603050405020304" pitchFamily="18" charset="0"/>
-              </a:rPr>
-              <a:t> </a:t>
-            </a:r>
-            <a:r>
-              <a:rPr lang="en-US" dirty="0" err="1">
+              <a:rPr lang="en-US" b="1" dirty="0">
+                <a:latin typeface="Times New Roman" panose="02020603050405020304" pitchFamily="18" charset="0"/>
+                <a:cs typeface="Times New Roman" panose="02020603050405020304" pitchFamily="18" charset="0"/>
+              </a:rPr>
+              <a:t> </a:t>
+            </a:r>
+            <a:r>
+              <a:rPr lang="en-US" b="1" dirty="0" err="1">
                 <a:latin typeface="Times New Roman" panose="02020603050405020304" pitchFamily="18" charset="0"/>
                 <a:cs typeface="Times New Roman" panose="02020603050405020304" pitchFamily="18" charset="0"/>
               </a:rPr>
               <a:t>hình</a:t>
             </a:r>
             <a:r>
-              <a:rPr lang="en-US" dirty="0">
-                <a:latin typeface="Times New Roman" panose="02020603050405020304" pitchFamily="18" charset="0"/>
-                <a:cs typeface="Times New Roman" panose="02020603050405020304" pitchFamily="18" charset="0"/>
-              </a:rPr>
-              <a:t> </a:t>
-            </a:r>
-            <a:r>
-              <a:rPr lang="en-US" dirty="0" err="1">
+              <a:rPr lang="en-US" b="1" dirty="0">
+                <a:latin typeface="Times New Roman" panose="02020603050405020304" pitchFamily="18" charset="0"/>
+                <a:cs typeface="Times New Roman" panose="02020603050405020304" pitchFamily="18" charset="0"/>
+              </a:rPr>
+              <a:t> </a:t>
+            </a:r>
+            <a:r>
+              <a:rPr lang="en-US" b="1" dirty="0" err="1">
                 <a:latin typeface="Times New Roman" panose="02020603050405020304" pitchFamily="18" charset="0"/>
                 <a:cs typeface="Times New Roman" panose="02020603050405020304" pitchFamily="18" charset="0"/>
               </a:rPr>
               <a:t>hóa</a:t>
             </a:r>
             <a:r>
-              <a:rPr lang="en-US" dirty="0">
-                <a:latin typeface="Times New Roman" panose="02020603050405020304" pitchFamily="18" charset="0"/>
-                <a:cs typeface="Times New Roman" panose="02020603050405020304" pitchFamily="18" charset="0"/>
-              </a:rPr>
-              <a:t> </a:t>
-            </a:r>
-            <a:r>
-              <a:rPr lang="en-US" dirty="0" err="1">
+              <a:rPr lang="en-US" b="1" dirty="0">
+                <a:latin typeface="Times New Roman" panose="02020603050405020304" pitchFamily="18" charset="0"/>
+                <a:cs typeface="Times New Roman" panose="02020603050405020304" pitchFamily="18" charset="0"/>
+              </a:rPr>
+              <a:t> </a:t>
+            </a:r>
+            <a:r>
+              <a:rPr lang="en-US" b="1" dirty="0" err="1">
                 <a:latin typeface="Times New Roman" panose="02020603050405020304" pitchFamily="18" charset="0"/>
                 <a:cs typeface="Times New Roman" panose="02020603050405020304" pitchFamily="18" charset="0"/>
               </a:rPr>
               <a:t>trực</a:t>
             </a:r>
             <a:r>
-              <a:rPr lang="en-US" dirty="0">
-                <a:latin typeface="Times New Roman" panose="02020603050405020304" pitchFamily="18" charset="0"/>
-                <a:cs typeface="Times New Roman" panose="02020603050405020304" pitchFamily="18" charset="0"/>
-              </a:rPr>
-              <a:t> </a:t>
-            </a:r>
-            <a:r>
-              <a:rPr lang="en-US" dirty="0" err="1">
+              <a:rPr lang="en-US" b="1" dirty="0">
+                <a:latin typeface="Times New Roman" panose="02020603050405020304" pitchFamily="18" charset="0"/>
+                <a:cs typeface="Times New Roman" panose="02020603050405020304" pitchFamily="18" charset="0"/>
+              </a:rPr>
+              <a:t> </a:t>
+            </a:r>
+            <a:r>
+              <a:rPr lang="en-US" b="1" dirty="0" err="1">
                 <a:latin typeface="Times New Roman" panose="02020603050405020304" pitchFamily="18" charset="0"/>
                 <a:cs typeface="Times New Roman" panose="02020603050405020304" pitchFamily="18" charset="0"/>
               </a:rPr>
               <a:t>quan</a:t>
             </a:r>
             <a:r>
-              <a:rPr lang="en-US" dirty="0">
-                <a:latin typeface="Times New Roman" panose="02020603050405020304" pitchFamily="18" charset="0"/>
-                <a:cs typeface="Times New Roman" panose="02020603050405020304" pitchFamily="18" charset="0"/>
-              </a:rPr>
-              <a:t> </a:t>
-            </a:r>
-            <a:r>
-              <a:rPr lang="en-US" dirty="0" err="1">
+              <a:rPr lang="en-US" b="1" dirty="0">
+                <a:latin typeface="Times New Roman" panose="02020603050405020304" pitchFamily="18" charset="0"/>
+                <a:cs typeface="Times New Roman" panose="02020603050405020304" pitchFamily="18" charset="0"/>
+              </a:rPr>
+              <a:t> </a:t>
+            </a:r>
+            <a:r>
+              <a:rPr lang="en-US" b="1" dirty="0" err="1">
                 <a:latin typeface="Times New Roman" panose="02020603050405020304" pitchFamily="18" charset="0"/>
                 <a:cs typeface="Times New Roman" panose="02020603050405020304" pitchFamily="18" charset="0"/>
               </a:rPr>
               <a:t>phần</a:t>
             </a:r>
             <a:r>
-              <a:rPr lang="en-US" dirty="0">
-                <a:latin typeface="Times New Roman" panose="02020603050405020304" pitchFamily="18" charset="0"/>
-                <a:cs typeface="Times New Roman" panose="02020603050405020304" pitchFamily="18" charset="0"/>
-              </a:rPr>
-              <a:t> </a:t>
-            </a:r>
-            <a:r>
-              <a:rPr lang="en-US" dirty="0" err="1">
+              <a:rPr lang="en-US" b="1" dirty="0">
+                <a:latin typeface="Times New Roman" panose="02020603050405020304" pitchFamily="18" charset="0"/>
+                <a:cs typeface="Times New Roman" panose="02020603050405020304" pitchFamily="18" charset="0"/>
+              </a:rPr>
+              <a:t> </a:t>
+            </a:r>
+            <a:r>
+              <a:rPr lang="en-US" b="1" dirty="0" err="1">
                 <a:latin typeface="Times New Roman" panose="02020603050405020304" pitchFamily="18" charset="0"/>
                 <a:cs typeface="Times New Roman" panose="02020603050405020304" pitchFamily="18" charset="0"/>
               </a:rPr>
@@ -9412,77 +9424,77 @@
               <a:buChar char="-"/>
             </a:pPr>
             <a:r>
-              <a:rPr lang="en-US" dirty="0" err="1">
+              <a:rPr lang="en-US" b="1" dirty="0" err="1">
                 <a:latin typeface="Times New Roman" panose="02020603050405020304" pitchFamily="18" charset="0"/>
                 <a:cs typeface="Times New Roman" panose="02020603050405020304" pitchFamily="18" charset="0"/>
               </a:rPr>
               <a:t>Kiểm</a:t>
             </a:r>
             <a:r>
-              <a:rPr lang="en-US" dirty="0">
-                <a:latin typeface="Times New Roman" panose="02020603050405020304" pitchFamily="18" charset="0"/>
-                <a:cs typeface="Times New Roman" panose="02020603050405020304" pitchFamily="18" charset="0"/>
-              </a:rPr>
-              <a:t> </a:t>
-            </a:r>
-            <a:r>
-              <a:rPr lang="en-US" dirty="0" err="1">
+              <a:rPr lang="en-US" b="1" dirty="0">
+                <a:latin typeface="Times New Roman" panose="02020603050405020304" pitchFamily="18" charset="0"/>
+                <a:cs typeface="Times New Roman" panose="02020603050405020304" pitchFamily="18" charset="0"/>
+              </a:rPr>
+              <a:t> </a:t>
+            </a:r>
+            <a:r>
+              <a:rPr lang="en-US" b="1" dirty="0" err="1">
                 <a:latin typeface="Times New Roman" panose="02020603050405020304" pitchFamily="18" charset="0"/>
                 <a:cs typeface="Times New Roman" panose="02020603050405020304" pitchFamily="18" charset="0"/>
               </a:rPr>
               <a:t>tra</a:t>
             </a:r>
             <a:r>
-              <a:rPr lang="en-US" dirty="0">
-                <a:latin typeface="Times New Roman" panose="02020603050405020304" pitchFamily="18" charset="0"/>
-                <a:cs typeface="Times New Roman" panose="02020603050405020304" pitchFamily="18" charset="0"/>
-              </a:rPr>
-              <a:t> </a:t>
-            </a:r>
-            <a:r>
-              <a:rPr lang="en-US" dirty="0" err="1">
+              <a:rPr lang="en-US" b="1" dirty="0">
+                <a:latin typeface="Times New Roman" panose="02020603050405020304" pitchFamily="18" charset="0"/>
+                <a:cs typeface="Times New Roman" panose="02020603050405020304" pitchFamily="18" charset="0"/>
+              </a:rPr>
+              <a:t> </a:t>
+            </a:r>
+            <a:r>
+              <a:rPr lang="en-US" b="1" dirty="0" err="1">
                 <a:latin typeface="Times New Roman" panose="02020603050405020304" pitchFamily="18" charset="0"/>
                 <a:cs typeface="Times New Roman" panose="02020603050405020304" pitchFamily="18" charset="0"/>
               </a:rPr>
               <a:t>chất</a:t>
             </a:r>
             <a:r>
-              <a:rPr lang="en-US" dirty="0">
-                <a:latin typeface="Times New Roman" panose="02020603050405020304" pitchFamily="18" charset="0"/>
-                <a:cs typeface="Times New Roman" panose="02020603050405020304" pitchFamily="18" charset="0"/>
-              </a:rPr>
-              <a:t> </a:t>
-            </a:r>
-            <a:r>
-              <a:rPr lang="en-US" dirty="0" err="1">
+              <a:rPr lang="en-US" b="1" dirty="0">
+                <a:latin typeface="Times New Roman" panose="02020603050405020304" pitchFamily="18" charset="0"/>
+                <a:cs typeface="Times New Roman" panose="02020603050405020304" pitchFamily="18" charset="0"/>
+              </a:rPr>
+              <a:t> </a:t>
+            </a:r>
+            <a:r>
+              <a:rPr lang="en-US" b="1" dirty="0" err="1">
                 <a:latin typeface="Times New Roman" panose="02020603050405020304" pitchFamily="18" charset="0"/>
                 <a:cs typeface="Times New Roman" panose="02020603050405020304" pitchFamily="18" charset="0"/>
               </a:rPr>
               <a:t>lượng</a:t>
             </a:r>
             <a:r>
-              <a:rPr lang="en-US" dirty="0">
-                <a:latin typeface="Times New Roman" panose="02020603050405020304" pitchFamily="18" charset="0"/>
-                <a:cs typeface="Times New Roman" panose="02020603050405020304" pitchFamily="18" charset="0"/>
-              </a:rPr>
-              <a:t> </a:t>
-            </a:r>
-            <a:r>
-              <a:rPr lang="en-US" dirty="0" err="1">
+              <a:rPr lang="en-US" b="1" dirty="0">
+                <a:latin typeface="Times New Roman" panose="02020603050405020304" pitchFamily="18" charset="0"/>
+                <a:cs typeface="Times New Roman" panose="02020603050405020304" pitchFamily="18" charset="0"/>
+              </a:rPr>
+              <a:t> </a:t>
+            </a:r>
+            <a:r>
+              <a:rPr lang="en-US" b="1" dirty="0" err="1">
                 <a:latin typeface="Times New Roman" panose="02020603050405020304" pitchFamily="18" charset="0"/>
                 <a:cs typeface="Times New Roman" panose="02020603050405020304" pitchFamily="18" charset="0"/>
               </a:rPr>
               <a:t>phần</a:t>
             </a:r>
             <a:r>
-              <a:rPr lang="en-US" dirty="0">
-                <a:latin typeface="Times New Roman" panose="02020603050405020304" pitchFamily="18" charset="0"/>
-                <a:cs typeface="Times New Roman" panose="02020603050405020304" pitchFamily="18" charset="0"/>
-              </a:rPr>
-              <a:t> </a:t>
-            </a:r>
-            <a:r>
-              <a:rPr lang="en-US" dirty="0" err="1">
+              <a:rPr lang="en-US" b="1" dirty="0">
+                <a:latin typeface="Times New Roman" panose="02020603050405020304" pitchFamily="18" charset="0"/>
+                <a:cs typeface="Times New Roman" panose="02020603050405020304" pitchFamily="18" charset="0"/>
+              </a:rPr>
+              <a:t> </a:t>
+            </a:r>
+            <a:r>
+              <a:rPr lang="en-US" b="1" dirty="0" err="1">
                 <a:latin typeface="Times New Roman" panose="02020603050405020304" pitchFamily="18" charset="0"/>
                 <a:cs typeface="Times New Roman" panose="02020603050405020304" pitchFamily="18" charset="0"/>
               </a:rPr>
@@ -9880,49 +9892,49 @@
               <a:buChar char="-"/>
             </a:pPr>
             <a:r>
-              <a:rPr lang="en-US" dirty="0" err="1">
+              <a:rPr lang="en-US" b="1" dirty="0" err="1">
                 <a:latin typeface="Times New Roman" panose="02020603050405020304" pitchFamily="18" charset="0"/>
                 <a:cs typeface="Times New Roman" panose="02020603050405020304" pitchFamily="18" charset="0"/>
               </a:rPr>
               <a:t>Kiểm</a:t>
             </a:r>
             <a:r>
-              <a:rPr lang="en-US" dirty="0">
-                <a:latin typeface="Times New Roman" panose="02020603050405020304" pitchFamily="18" charset="0"/>
-                <a:cs typeface="Times New Roman" panose="02020603050405020304" pitchFamily="18" charset="0"/>
-              </a:rPr>
-              <a:t> </a:t>
-            </a:r>
-            <a:r>
-              <a:rPr lang="en-US" dirty="0" err="1">
+              <a:rPr lang="en-US" b="1" dirty="0">
+                <a:latin typeface="Times New Roman" panose="02020603050405020304" pitchFamily="18" charset="0"/>
+                <a:cs typeface="Times New Roman" panose="02020603050405020304" pitchFamily="18" charset="0"/>
+              </a:rPr>
+              <a:t> </a:t>
+            </a:r>
+            <a:r>
+              <a:rPr lang="en-US" b="1" dirty="0" err="1">
                 <a:latin typeface="Times New Roman" panose="02020603050405020304" pitchFamily="18" charset="0"/>
                 <a:cs typeface="Times New Roman" panose="02020603050405020304" pitchFamily="18" charset="0"/>
               </a:rPr>
               <a:t>soát</a:t>
             </a:r>
             <a:r>
-              <a:rPr lang="en-US" dirty="0">
-                <a:latin typeface="Times New Roman" panose="02020603050405020304" pitchFamily="18" charset="0"/>
-                <a:cs typeface="Times New Roman" panose="02020603050405020304" pitchFamily="18" charset="0"/>
-              </a:rPr>
-              <a:t> </a:t>
-            </a:r>
-            <a:r>
-              <a:rPr lang="en-US" dirty="0" err="1">
+              <a:rPr lang="en-US" b="1" dirty="0">
+                <a:latin typeface="Times New Roman" panose="02020603050405020304" pitchFamily="18" charset="0"/>
+                <a:cs typeface="Times New Roman" panose="02020603050405020304" pitchFamily="18" charset="0"/>
+              </a:rPr>
+              <a:t> </a:t>
+            </a:r>
+            <a:r>
+              <a:rPr lang="en-US" b="1" dirty="0" err="1">
                 <a:latin typeface="Times New Roman" panose="02020603050405020304" pitchFamily="18" charset="0"/>
                 <a:cs typeface="Times New Roman" panose="02020603050405020304" pitchFamily="18" charset="0"/>
               </a:rPr>
               <a:t>thay</a:t>
             </a:r>
             <a:r>
-              <a:rPr lang="en-US" dirty="0">
-                <a:latin typeface="Times New Roman" panose="02020603050405020304" pitchFamily="18" charset="0"/>
-                <a:cs typeface="Times New Roman" panose="02020603050405020304" pitchFamily="18" charset="0"/>
-              </a:rPr>
-              <a:t> </a:t>
-            </a:r>
-            <a:r>
-              <a:rPr lang="en-US" dirty="0" err="1">
+              <a:rPr lang="en-US" b="1" dirty="0">
+                <a:latin typeface="Times New Roman" panose="02020603050405020304" pitchFamily="18" charset="0"/>
+                <a:cs typeface="Times New Roman" panose="02020603050405020304" pitchFamily="18" charset="0"/>
+              </a:rPr>
+              <a:t> </a:t>
+            </a:r>
+            <a:r>
+              <a:rPr lang="en-US" b="1" dirty="0" err="1">
                 <a:latin typeface="Times New Roman" panose="02020603050405020304" pitchFamily="18" charset="0"/>
                 <a:cs typeface="Times New Roman" panose="02020603050405020304" pitchFamily="18" charset="0"/>
               </a:rPr>
@@ -12085,8 +12097,8 @@
           </a:prstGeom>
         </p:spPr>
       </p:pic>
-      <mc:AlternateContent xmlns:mc="http://schemas.openxmlformats.org/markup-compatibility/2006">
-        <mc:Choice xmlns:p14="http://schemas.microsoft.com/office/powerpoint/2010/main" Requires="p14">
+      <mc:AlternateContent xmlns:mc="http://schemas.openxmlformats.org/markup-compatibility/2006" xmlns:p14="http://schemas.microsoft.com/office/powerpoint/2010/main">
+        <mc:Choice Requires="p14">
           <p:contentPart p14:bwMode="auto" r:id="rId3">
             <p14:nvContentPartPr>
               <p14:cNvPr id="10" name="Ink 9">
@@ -12116,7 +12128,7 @@
             </p14:xfrm>
           </p:contentPart>
         </mc:Choice>
-        <mc:Fallback>
+        <mc:Fallback xmlns="">
           <p:pic>
             <p:nvPicPr>
               <p:cNvPr id="10" name="Ink 9">
@@ -28928,11 +28940,18 @@
           </a:p>
           <a:p>
             <a:r>
-              <a:rPr lang="en-US" dirty="0">
-                <a:latin typeface="Times New Roman" panose="02020603050405020304" pitchFamily="18" charset="0"/>
-                <a:cs typeface="Times New Roman" panose="02020603050405020304" pitchFamily="18" charset="0"/>
-              </a:rPr>
-              <a:t>RUP </a:t>
+              <a:rPr lang="en-US" b="1" dirty="0">
+                <a:latin typeface="Times New Roman" panose="02020603050405020304" pitchFamily="18" charset="0"/>
+                <a:cs typeface="Times New Roman" panose="02020603050405020304" pitchFamily="18" charset="0"/>
+              </a:rPr>
+              <a:t>RUP</a:t>
+            </a:r>
+            <a:r>
+              <a:rPr lang="en-US" dirty="0">
+                <a:latin typeface="Times New Roman" panose="02020603050405020304" pitchFamily="18" charset="0"/>
+                <a:cs typeface="Times New Roman" panose="02020603050405020304" pitchFamily="18" charset="0"/>
+              </a:rPr>
+              <a:t> </a:t>
             </a:r>
             <a:r>
               <a:rPr lang="en-US" dirty="0" err="1">
@@ -29016,7 +29035,21 @@
                 <a:latin typeface="Times New Roman" panose="02020603050405020304" pitchFamily="18" charset="0"/>
                 <a:cs typeface="Times New Roman" panose="02020603050405020304" pitchFamily="18" charset="0"/>
               </a:rPr>
-              <a:t> Rational Software, </a:t>
+              <a:t> </a:t>
+            </a:r>
+            <a:r>
+              <a:rPr lang="en-US" b="1" dirty="0">
+                <a:latin typeface="Times New Roman" panose="02020603050405020304" pitchFamily="18" charset="0"/>
+                <a:cs typeface="Times New Roman" panose="02020603050405020304" pitchFamily="18" charset="0"/>
+              </a:rPr>
+              <a:t>Rational Software</a:t>
+            </a:r>
+            <a:r>
+              <a:rPr lang="en-US" dirty="0">
+                <a:latin typeface="Times New Roman" panose="02020603050405020304" pitchFamily="18" charset="0"/>
+                <a:cs typeface="Times New Roman" panose="02020603050405020304" pitchFamily="18" charset="0"/>
+              </a:rPr>
+              <a:t>, </a:t>
             </a:r>
             <a:r>
               <a:rPr lang="en-US" dirty="0" err="1">
@@ -29100,7 +29133,21 @@
                 <a:latin typeface="Times New Roman" panose="02020603050405020304" pitchFamily="18" charset="0"/>
                 <a:cs typeface="Times New Roman" panose="02020603050405020304" pitchFamily="18" charset="0"/>
               </a:rPr>
-              <a:t> IBM </a:t>
+              <a:t> </a:t>
+            </a:r>
+            <a:r>
+              <a:rPr lang="en-US" b="1" dirty="0">
+                <a:latin typeface="Times New Roman" panose="02020603050405020304" pitchFamily="18" charset="0"/>
+                <a:cs typeface="Times New Roman" panose="02020603050405020304" pitchFamily="18" charset="0"/>
+              </a:rPr>
+              <a:t>IBM</a:t>
+            </a:r>
+            <a:r>
+              <a:rPr lang="en-US" dirty="0">
+                <a:latin typeface="Times New Roman" panose="02020603050405020304" pitchFamily="18" charset="0"/>
+                <a:cs typeface="Times New Roman" panose="02020603050405020304" pitchFamily="18" charset="0"/>
+              </a:rPr>
+              <a:t> </a:t>
             </a:r>
             <a:r>
               <a:rPr lang="en-US" dirty="0" err="1">
@@ -29394,21 +29441,21 @@
               <a:buChar char="-"/>
             </a:pPr>
             <a:r>
-              <a:rPr lang="en-US" dirty="0" err="1">
+              <a:rPr lang="en-US" i="1" u="sng" dirty="0" err="1">
                 <a:latin typeface="Times New Roman" panose="02020603050405020304" pitchFamily="18" charset="0"/>
                 <a:cs typeface="Times New Roman" panose="02020603050405020304" pitchFamily="18" charset="0"/>
               </a:rPr>
               <a:t>Trục</a:t>
             </a:r>
             <a:r>
-              <a:rPr lang="en-US" dirty="0">
-                <a:latin typeface="Times New Roman" panose="02020603050405020304" pitchFamily="18" charset="0"/>
-                <a:cs typeface="Times New Roman" panose="02020603050405020304" pitchFamily="18" charset="0"/>
-              </a:rPr>
-              <a:t> </a:t>
-            </a:r>
-            <a:r>
-              <a:rPr lang="en-US" dirty="0" err="1">
+              <a:rPr lang="en-US" i="1" u="sng" dirty="0">
+                <a:latin typeface="Times New Roman" panose="02020603050405020304" pitchFamily="18" charset="0"/>
+                <a:cs typeface="Times New Roman" panose="02020603050405020304" pitchFamily="18" charset="0"/>
+              </a:rPr>
+              <a:t> </a:t>
+            </a:r>
+            <a:r>
+              <a:rPr lang="en-US" i="1" u="sng" dirty="0" err="1">
                 <a:latin typeface="Times New Roman" panose="02020603050405020304" pitchFamily="18" charset="0"/>
                 <a:cs typeface="Times New Roman" panose="02020603050405020304" pitchFamily="18" charset="0"/>
               </a:rPr>
@@ -30072,18 +30119,25 @@
               <a:buChar char="-"/>
             </a:pPr>
             <a:r>
-              <a:rPr lang="en-US" dirty="0" err="1">
+              <a:rPr lang="en-US" i="1" u="sng" dirty="0" err="1">
                 <a:latin typeface="Times New Roman" panose="02020603050405020304" pitchFamily="18" charset="0"/>
                 <a:cs typeface="Times New Roman" panose="02020603050405020304" pitchFamily="18" charset="0"/>
               </a:rPr>
               <a:t>Trục</a:t>
             </a:r>
             <a:r>
-              <a:rPr lang="en-US" dirty="0">
-                <a:latin typeface="Times New Roman" panose="02020603050405020304" pitchFamily="18" charset="0"/>
-                <a:cs typeface="Times New Roman" panose="02020603050405020304" pitchFamily="18" charset="0"/>
-              </a:rPr>
-              <a:t> tung: </a:t>
+              <a:rPr lang="en-US" i="1" u="sng" dirty="0">
+                <a:latin typeface="Times New Roman" panose="02020603050405020304" pitchFamily="18" charset="0"/>
+                <a:cs typeface="Times New Roman" panose="02020603050405020304" pitchFamily="18" charset="0"/>
+              </a:rPr>
+              <a:t> tung</a:t>
+            </a:r>
+            <a:r>
+              <a:rPr lang="en-US" dirty="0">
+                <a:latin typeface="Times New Roman" panose="02020603050405020304" pitchFamily="18" charset="0"/>
+                <a:cs typeface="Times New Roman" panose="02020603050405020304" pitchFamily="18" charset="0"/>
+              </a:rPr>
+              <a:t>: </a:t>
             </a:r>
             <a:r>
               <a:rPr lang="en-US" dirty="0" err="1">
@@ -30629,7 +30683,7 @@
                 <a:latin typeface="Times New Roman" panose="02020603050405020304" pitchFamily="18" charset="0"/>
                 <a:cs typeface="Times New Roman" panose="02020603050405020304" pitchFamily="18" charset="0"/>
               </a:rPr>
-              <a:t>, </a:t>
+              <a:t> (Activity), </a:t>
             </a:r>
             <a:r>
               <a:rPr lang="en-US" dirty="0" err="1">
@@ -30685,7 +30739,7 @@
                 <a:latin typeface="Times New Roman" panose="02020603050405020304" pitchFamily="18" charset="0"/>
                 <a:cs typeface="Times New Roman" panose="02020603050405020304" pitchFamily="18" charset="0"/>
               </a:rPr>
-              <a:t> ra, </a:t>
+              <a:t> ra(Artifact), </a:t>
             </a:r>
             <a:r>
               <a:rPr lang="en-US" dirty="0" err="1">
@@ -30769,7 +30823,7 @@
                 <a:latin typeface="Times New Roman" panose="02020603050405020304" pitchFamily="18" charset="0"/>
                 <a:cs typeface="Times New Roman" panose="02020603050405020304" pitchFamily="18" charset="0"/>
               </a:rPr>
-              <a:t>, </a:t>
+              <a:t> (Worker), </a:t>
             </a:r>
             <a:r>
               <a:rPr lang="en-US" dirty="0" err="1">
@@ -30909,7 +30963,7 @@
                 <a:latin typeface="Times New Roman" panose="02020603050405020304" pitchFamily="18" charset="0"/>
                 <a:cs typeface="Times New Roman" panose="02020603050405020304" pitchFamily="18" charset="0"/>
               </a:rPr>
-              <a:t>. </a:t>
+              <a:t> (Workflow). </a:t>
             </a:r>
             <a:r>
               <a:rPr lang="en-US" dirty="0" err="1">
@@ -31035,7 +31089,7 @@
                 <a:latin typeface="Times New Roman" panose="02020603050405020304" pitchFamily="18" charset="0"/>
                 <a:cs typeface="Times New Roman" panose="02020603050405020304" pitchFamily="18" charset="0"/>
               </a:rPr>
-              <a:t>, workflow, activity</a:t>
+              <a:t>, workflow, activity, artifact.</a:t>
             </a:r>
           </a:p>
         </p:txBody>
@@ -31262,19 +31316,8 @@
                 <a:latin typeface="Times New Roman" panose="02020603050405020304" pitchFamily="18" charset="0"/>
                 <a:cs typeface="Times New Roman" panose="02020603050405020304" pitchFamily="18" charset="0"/>
               </a:rPr>
-              <a:t>- </a:t>
-            </a:r>
-            <a:r>
-              <a:rPr lang="en-US" dirty="0" err="1">
-                <a:latin typeface="Times New Roman" panose="02020603050405020304" pitchFamily="18" charset="0"/>
-                <a:cs typeface="Times New Roman" panose="02020603050405020304" pitchFamily="18" charset="0"/>
-              </a:rPr>
-              <a:t>Evironment</a:t>
-            </a:r>
-            <a:endParaRPr lang="en-US" dirty="0">
-              <a:latin typeface="Times New Roman" panose="02020603050405020304" pitchFamily="18" charset="0"/>
-              <a:cs typeface="Times New Roman" panose="02020603050405020304" pitchFamily="18" charset="0"/>
-            </a:endParaRPr>
+              <a:t>- Environment</a:t>
+            </a:r>
           </a:p>
         </p:txBody>
       </p:sp>
@@ -31471,122 +31514,129 @@
                 <a:latin typeface="Times New Roman" panose="02020603050405020304" pitchFamily="18" charset="0"/>
                 <a:cs typeface="Times New Roman" panose="02020603050405020304" pitchFamily="18" charset="0"/>
               </a:rPr>
-              <a:t> ai </a:t>
-            </a:r>
-            <a:r>
-              <a:rPr lang="en-US" dirty="0" err="1">
+              <a:t> </a:t>
+            </a:r>
+            <a:r>
+              <a:rPr lang="en-US" i="1" u="sng" dirty="0">
+                <a:latin typeface="Times New Roman" panose="02020603050405020304" pitchFamily="18" charset="0"/>
+                <a:cs typeface="Times New Roman" panose="02020603050405020304" pitchFamily="18" charset="0"/>
+              </a:rPr>
+              <a:t>ai - </a:t>
+            </a:r>
+            <a:r>
+              <a:rPr lang="en-US" i="1" u="sng" dirty="0" err="1">
                 <a:latin typeface="Times New Roman" panose="02020603050405020304" pitchFamily="18" charset="0"/>
                 <a:cs typeface="Times New Roman" panose="02020603050405020304" pitchFamily="18" charset="0"/>
               </a:rPr>
               <a:t>làm</a:t>
             </a:r>
             <a:r>
-              <a:rPr lang="en-US" dirty="0">
-                <a:latin typeface="Times New Roman" panose="02020603050405020304" pitchFamily="18" charset="0"/>
-                <a:cs typeface="Times New Roman" panose="02020603050405020304" pitchFamily="18" charset="0"/>
-              </a:rPr>
-              <a:t> </a:t>
-            </a:r>
-            <a:r>
-              <a:rPr lang="en-US" dirty="0" err="1">
+              <a:rPr lang="en-US" i="1" u="sng" dirty="0">
+                <a:latin typeface="Times New Roman" panose="02020603050405020304" pitchFamily="18" charset="0"/>
+                <a:cs typeface="Times New Roman" panose="02020603050405020304" pitchFamily="18" charset="0"/>
+              </a:rPr>
+              <a:t> </a:t>
+            </a:r>
+            <a:r>
+              <a:rPr lang="en-US" i="1" u="sng" dirty="0" err="1">
                 <a:latin typeface="Times New Roman" panose="02020603050405020304" pitchFamily="18" charset="0"/>
                 <a:cs typeface="Times New Roman" panose="02020603050405020304" pitchFamily="18" charset="0"/>
               </a:rPr>
               <a:t>việc</a:t>
             </a:r>
             <a:r>
-              <a:rPr lang="en-US" dirty="0">
-                <a:latin typeface="Times New Roman" panose="02020603050405020304" pitchFamily="18" charset="0"/>
-                <a:cs typeface="Times New Roman" panose="02020603050405020304" pitchFamily="18" charset="0"/>
-              </a:rPr>
-              <a:t> </a:t>
-            </a:r>
-            <a:r>
-              <a:rPr lang="en-US" dirty="0" err="1">
+              <a:rPr lang="en-US" i="1" u="sng" dirty="0">
+                <a:latin typeface="Times New Roman" panose="02020603050405020304" pitchFamily="18" charset="0"/>
+                <a:cs typeface="Times New Roman" panose="02020603050405020304" pitchFamily="18" charset="0"/>
+              </a:rPr>
+              <a:t> </a:t>
+            </a:r>
+            <a:r>
+              <a:rPr lang="en-US" i="1" u="sng" dirty="0" err="1">
                 <a:latin typeface="Times New Roman" panose="02020603050405020304" pitchFamily="18" charset="0"/>
                 <a:cs typeface="Times New Roman" panose="02020603050405020304" pitchFamily="18" charset="0"/>
               </a:rPr>
               <a:t>gì</a:t>
             </a:r>
             <a:r>
-              <a:rPr lang="en-US" dirty="0">
-                <a:latin typeface="Times New Roman" panose="02020603050405020304" pitchFamily="18" charset="0"/>
-                <a:cs typeface="Times New Roman" panose="02020603050405020304" pitchFamily="18" charset="0"/>
-              </a:rPr>
-              <a:t>, </a:t>
-            </a:r>
-            <a:r>
-              <a:rPr lang="en-US" dirty="0" err="1">
+              <a:rPr lang="en-US" i="1" u="sng" dirty="0">
+                <a:latin typeface="Times New Roman" panose="02020603050405020304" pitchFamily="18" charset="0"/>
+                <a:cs typeface="Times New Roman" panose="02020603050405020304" pitchFamily="18" charset="0"/>
+              </a:rPr>
+              <a:t> - </a:t>
+            </a:r>
+            <a:r>
+              <a:rPr lang="en-US" i="1" u="sng" dirty="0" err="1">
                 <a:latin typeface="Times New Roman" panose="02020603050405020304" pitchFamily="18" charset="0"/>
                 <a:cs typeface="Times New Roman" panose="02020603050405020304" pitchFamily="18" charset="0"/>
               </a:rPr>
               <a:t>bằng</a:t>
             </a:r>
             <a:r>
-              <a:rPr lang="en-US" dirty="0">
-                <a:latin typeface="Times New Roman" panose="02020603050405020304" pitchFamily="18" charset="0"/>
-                <a:cs typeface="Times New Roman" panose="02020603050405020304" pitchFamily="18" charset="0"/>
-              </a:rPr>
-              <a:t> </a:t>
-            </a:r>
-            <a:r>
-              <a:rPr lang="en-US" dirty="0" err="1">
+              <a:rPr lang="en-US" i="1" u="sng" dirty="0">
+                <a:latin typeface="Times New Roman" panose="02020603050405020304" pitchFamily="18" charset="0"/>
+                <a:cs typeface="Times New Roman" panose="02020603050405020304" pitchFamily="18" charset="0"/>
+              </a:rPr>
+              <a:t> </a:t>
+            </a:r>
+            <a:r>
+              <a:rPr lang="en-US" i="1" u="sng" dirty="0" err="1">
                 <a:latin typeface="Times New Roman" panose="02020603050405020304" pitchFamily="18" charset="0"/>
                 <a:cs typeface="Times New Roman" panose="02020603050405020304" pitchFamily="18" charset="0"/>
               </a:rPr>
               <a:t>cách</a:t>
             </a:r>
             <a:r>
-              <a:rPr lang="en-US" dirty="0">
-                <a:latin typeface="Times New Roman" panose="02020603050405020304" pitchFamily="18" charset="0"/>
-                <a:cs typeface="Times New Roman" panose="02020603050405020304" pitchFamily="18" charset="0"/>
-              </a:rPr>
-              <a:t> </a:t>
-            </a:r>
-            <a:r>
-              <a:rPr lang="en-US" dirty="0" err="1">
+              <a:rPr lang="en-US" i="1" u="sng" dirty="0">
+                <a:latin typeface="Times New Roman" panose="02020603050405020304" pitchFamily="18" charset="0"/>
+                <a:cs typeface="Times New Roman" panose="02020603050405020304" pitchFamily="18" charset="0"/>
+              </a:rPr>
+              <a:t> </a:t>
+            </a:r>
+            <a:r>
+              <a:rPr lang="en-US" i="1" u="sng" dirty="0" err="1">
                 <a:latin typeface="Times New Roman" panose="02020603050405020304" pitchFamily="18" charset="0"/>
                 <a:cs typeface="Times New Roman" panose="02020603050405020304" pitchFamily="18" charset="0"/>
               </a:rPr>
               <a:t>nào</a:t>
             </a:r>
             <a:r>
-              <a:rPr lang="en-US" dirty="0">
-                <a:latin typeface="Times New Roman" panose="02020603050405020304" pitchFamily="18" charset="0"/>
-                <a:cs typeface="Times New Roman" panose="02020603050405020304" pitchFamily="18" charset="0"/>
-              </a:rPr>
-              <a:t> </a:t>
-            </a:r>
-            <a:r>
-              <a:rPr lang="en-US" dirty="0" err="1">
+              <a:rPr lang="en-US" i="1" u="sng" dirty="0">
+                <a:latin typeface="Times New Roman" panose="02020603050405020304" pitchFamily="18" charset="0"/>
+                <a:cs typeface="Times New Roman" panose="02020603050405020304" pitchFamily="18" charset="0"/>
+              </a:rPr>
+              <a:t> </a:t>
+            </a:r>
+            <a:r>
+              <a:rPr lang="en-US" i="1" u="sng" dirty="0" err="1">
                 <a:latin typeface="Times New Roman" panose="02020603050405020304" pitchFamily="18" charset="0"/>
                 <a:cs typeface="Times New Roman" panose="02020603050405020304" pitchFamily="18" charset="0"/>
               </a:rPr>
               <a:t>và</a:t>
             </a:r>
             <a:r>
-              <a:rPr lang="en-US" dirty="0">
-                <a:latin typeface="Times New Roman" panose="02020603050405020304" pitchFamily="18" charset="0"/>
-                <a:cs typeface="Times New Roman" panose="02020603050405020304" pitchFamily="18" charset="0"/>
-              </a:rPr>
-              <a:t> </a:t>
-            </a:r>
-            <a:r>
-              <a:rPr lang="en-US" dirty="0" err="1">
+              <a:rPr lang="en-US" i="1" u="sng" dirty="0">
+                <a:latin typeface="Times New Roman" panose="02020603050405020304" pitchFamily="18" charset="0"/>
+                <a:cs typeface="Times New Roman" panose="02020603050405020304" pitchFamily="18" charset="0"/>
+              </a:rPr>
+              <a:t> </a:t>
+            </a:r>
+            <a:r>
+              <a:rPr lang="en-US" i="1" u="sng" dirty="0" err="1">
                 <a:latin typeface="Times New Roman" panose="02020603050405020304" pitchFamily="18" charset="0"/>
                 <a:cs typeface="Times New Roman" panose="02020603050405020304" pitchFamily="18" charset="0"/>
               </a:rPr>
               <a:t>khi</a:t>
             </a:r>
             <a:r>
-              <a:rPr lang="en-US" dirty="0">
-                <a:latin typeface="Times New Roman" panose="02020603050405020304" pitchFamily="18" charset="0"/>
-                <a:cs typeface="Times New Roman" panose="02020603050405020304" pitchFamily="18" charset="0"/>
-              </a:rPr>
-              <a:t> </a:t>
-            </a:r>
-            <a:r>
-              <a:rPr lang="en-US" dirty="0" err="1">
+              <a:rPr lang="en-US" i="1" u="sng" dirty="0">
+                <a:latin typeface="Times New Roman" panose="02020603050405020304" pitchFamily="18" charset="0"/>
+                <a:cs typeface="Times New Roman" panose="02020603050405020304" pitchFamily="18" charset="0"/>
+              </a:rPr>
+              <a:t> </a:t>
+            </a:r>
+            <a:r>
+              <a:rPr lang="en-US" i="1" u="sng" dirty="0" err="1">
                 <a:latin typeface="Times New Roman" panose="02020603050405020304" pitchFamily="18" charset="0"/>
                 <a:cs typeface="Times New Roman" panose="02020603050405020304" pitchFamily="18" charset="0"/>
               </a:rPr>
@@ -31820,11 +31870,18 @@
           <a:lstStyle/>
           <a:p>
             <a:r>
-              <a:rPr lang="en-US" dirty="0">
-                <a:latin typeface="Times New Roman" panose="02020603050405020304" pitchFamily="18" charset="0"/>
-                <a:cs typeface="Times New Roman" panose="02020603050405020304" pitchFamily="18" charset="0"/>
-              </a:rPr>
-              <a:t>Worker: </a:t>
+              <a:rPr lang="en-US" b="1" dirty="0">
+                <a:latin typeface="Times New Roman" panose="02020603050405020304" pitchFamily="18" charset="0"/>
+                <a:cs typeface="Times New Roman" panose="02020603050405020304" pitchFamily="18" charset="0"/>
+              </a:rPr>
+              <a:t>Worker</a:t>
+            </a:r>
+            <a:r>
+              <a:rPr lang="en-US" dirty="0">
+                <a:latin typeface="Times New Roman" panose="02020603050405020304" pitchFamily="18" charset="0"/>
+                <a:cs typeface="Times New Roman" panose="02020603050405020304" pitchFamily="18" charset="0"/>
+              </a:rPr>
+              <a:t>: </a:t>
             </a:r>
             <a:r>
               <a:rPr lang="en-US" dirty="0" err="1">
@@ -32431,11 +32488,18 @@
           <a:lstStyle/>
           <a:p>
             <a:r>
-              <a:rPr lang="en-US" dirty="0">
-                <a:latin typeface="Times New Roman" panose="02020603050405020304" pitchFamily="18" charset="0"/>
-                <a:cs typeface="Times New Roman" panose="02020603050405020304" pitchFamily="18" charset="0"/>
-              </a:rPr>
-              <a:t>Activity: </a:t>
+              <a:rPr lang="en-US" b="1" dirty="0">
+                <a:latin typeface="Times New Roman" panose="02020603050405020304" pitchFamily="18" charset="0"/>
+                <a:cs typeface="Times New Roman" panose="02020603050405020304" pitchFamily="18" charset="0"/>
+              </a:rPr>
+              <a:t>Activity</a:t>
+            </a:r>
+            <a:r>
+              <a:rPr lang="en-US" dirty="0">
+                <a:latin typeface="Times New Roman" panose="02020603050405020304" pitchFamily="18" charset="0"/>
+                <a:cs typeface="Times New Roman" panose="02020603050405020304" pitchFamily="18" charset="0"/>
+              </a:rPr>
+              <a:t>: </a:t>
             </a:r>
             <a:r>
               <a:rPr lang="en-US" dirty="0" err="1">
@@ -32729,7 +32793,21 @@
                 <a:latin typeface="Times New Roman" panose="02020603050405020304" pitchFamily="18" charset="0"/>
                 <a:cs typeface="Times New Roman" panose="02020603050405020304" pitchFamily="18" charset="0"/>
               </a:rPr>
-              <a:t> rang, </a:t>
+              <a:t> </a:t>
+            </a:r>
+            <a:r>
+              <a:rPr lang="en-US" dirty="0" err="1">
+                <a:latin typeface="Times New Roman" panose="02020603050405020304" pitchFamily="18" charset="0"/>
+                <a:cs typeface="Times New Roman" panose="02020603050405020304" pitchFamily="18" charset="0"/>
+              </a:rPr>
+              <a:t>ràng</a:t>
+            </a:r>
+            <a:r>
+              <a:rPr lang="en-US" dirty="0">
+                <a:latin typeface="Times New Roman" panose="02020603050405020304" pitchFamily="18" charset="0"/>
+                <a:cs typeface="Times New Roman" panose="02020603050405020304" pitchFamily="18" charset="0"/>
+              </a:rPr>
+              <a:t>, </a:t>
             </a:r>
             <a:r>
               <a:rPr lang="en-US" dirty="0" err="1">
@@ -33267,11 +33345,18 @@
           <a:lstStyle/>
           <a:p>
             <a:r>
-              <a:rPr lang="en-US" dirty="0">
-                <a:latin typeface="Times New Roman" panose="02020603050405020304" pitchFamily="18" charset="0"/>
-                <a:cs typeface="Times New Roman" panose="02020603050405020304" pitchFamily="18" charset="0"/>
-              </a:rPr>
-              <a:t>Artifact: </a:t>
+              <a:rPr lang="en-US" b="1" dirty="0">
+                <a:latin typeface="Times New Roman" panose="02020603050405020304" pitchFamily="18" charset="0"/>
+                <a:cs typeface="Times New Roman" panose="02020603050405020304" pitchFamily="18" charset="0"/>
+              </a:rPr>
+              <a:t>Artifact</a:t>
+            </a:r>
+            <a:r>
+              <a:rPr lang="en-US" dirty="0">
+                <a:latin typeface="Times New Roman" panose="02020603050405020304" pitchFamily="18" charset="0"/>
+                <a:cs typeface="Times New Roman" panose="02020603050405020304" pitchFamily="18" charset="0"/>
+              </a:rPr>
+              <a:t>: </a:t>
             </a:r>
             <a:r>
               <a:rPr lang="en-US" dirty="0" err="1">
@@ -34844,11 +34929,18 @@
           <a:lstStyle/>
           <a:p>
             <a:r>
-              <a:rPr lang="en-US" dirty="0">
-                <a:latin typeface="Times New Roman" panose="02020603050405020304" pitchFamily="18" charset="0"/>
-                <a:cs typeface="Times New Roman" panose="02020603050405020304" pitchFamily="18" charset="0"/>
-              </a:rPr>
-              <a:t>Workflow: </a:t>
+              <a:rPr lang="en-US" b="1" dirty="0">
+                <a:latin typeface="Times New Roman" panose="02020603050405020304" pitchFamily="18" charset="0"/>
+                <a:cs typeface="Times New Roman" panose="02020603050405020304" pitchFamily="18" charset="0"/>
+              </a:rPr>
+              <a:t>Workflow</a:t>
+            </a:r>
+            <a:r>
+              <a:rPr lang="en-US" dirty="0">
+                <a:latin typeface="Times New Roman" panose="02020603050405020304" pitchFamily="18" charset="0"/>
+                <a:cs typeface="Times New Roman" panose="02020603050405020304" pitchFamily="18" charset="0"/>
+              </a:rPr>
+              <a:t>: </a:t>
             </a:r>
             <a:r>
               <a:rPr lang="en-US" dirty="0" err="1">
@@ -34981,7 +35073,7 @@
                 <a:latin typeface="Times New Roman" panose="02020603050405020304" pitchFamily="18" charset="0"/>
                 <a:cs typeface="Times New Roman" panose="02020603050405020304" pitchFamily="18" charset="0"/>
               </a:rPr>
-              <a:t>choỗi</a:t>
+              <a:t>chuỗi</a:t>
             </a:r>
             <a:r>
               <a:rPr lang="en-US" dirty="0">
